--- a/ESP32/DOC/PlatformIO로 Espressif타겟 프로젝트 만들기.pptx
+++ b/ESP32/DOC/PlatformIO로 Espressif타겟 프로젝트 만들기.pptx
@@ -5,14 +5,15 @@
     <p:sldMasterId id="2147483648" r:id="rId1"/>
   </p:sldMasterIdLst>
   <p:notesMasterIdLst>
-    <p:notesMasterId r:id="rId7"/>
+    <p:notesMasterId r:id="rId8"/>
   </p:notesMasterIdLst>
   <p:sldIdLst>
     <p:sldId id="257" r:id="rId2"/>
     <p:sldId id="256" r:id="rId3"/>
     <p:sldId id="258" r:id="rId4"/>
     <p:sldId id="261" r:id="rId5"/>
-    <p:sldId id="259" r:id="rId6"/>
+    <p:sldId id="262" r:id="rId6"/>
+    <p:sldId id="259" r:id="rId7"/>
   </p:sldIdLst>
   <p:sldSz cx="12192000" cy="6858000"/>
   <p:notesSz cx="6858000" cy="9144000"/>
@@ -702,6 +703,90 @@
             <a:fld id="{1EC2A714-B955-4E6A-86ED-9D137DE9C097}" type="slidenum">
               <a:rPr lang="ko-KR" altLang="en-US" smtClean="0"/>
               <a:t>5</a:t>
+            </a:fld>
+            <a:endParaRPr lang="ko-KR" altLang="en-US"/>
+          </a:p>
+        </p:txBody>
+      </p:sp>
+    </p:spTree>
+    <p:extLst>
+      <p:ext uri="{BB962C8B-B14F-4D97-AF65-F5344CB8AC3E}">
+        <p14:creationId xmlns:p14="http://schemas.microsoft.com/office/powerpoint/2010/main" val="307279324"/>
+      </p:ext>
+    </p:extLst>
+  </p:cSld>
+  <p:clrMapOvr>
+    <a:masterClrMapping/>
+  </p:clrMapOvr>
+</p:notes>
+</file>
+
+<file path=ppt/notesSlides/notesSlide4.xml><?xml version="1.0" encoding="utf-8"?>
+<p:notes xmlns:a="http://schemas.openxmlformats.org/drawingml/2006/main" xmlns:r="http://schemas.openxmlformats.org/officeDocument/2006/relationships" xmlns:p="http://schemas.openxmlformats.org/presentationml/2006/main">
+  <p:cSld>
+    <p:spTree>
+      <p:nvGrpSpPr>
+        <p:cNvPr id="1" name=""/>
+        <p:cNvGrpSpPr/>
+        <p:nvPr/>
+      </p:nvGrpSpPr>
+      <p:grpSpPr>
+        <a:xfrm>
+          <a:off x="0" y="0"/>
+          <a:ext cx="0" cy="0"/>
+          <a:chOff x="0" y="0"/>
+          <a:chExt cx="0" cy="0"/>
+        </a:xfrm>
+      </p:grpSpPr>
+      <p:sp>
+        <p:nvSpPr>
+          <p:cNvPr id="2" name="슬라이드 이미지 개체 틀 1"/>
+          <p:cNvSpPr>
+            <a:spLocks noGrp="1" noRot="1" noChangeAspect="1"/>
+          </p:cNvSpPr>
+          <p:nvPr>
+            <p:ph type="sldImg"/>
+          </p:nvPr>
+        </p:nvSpPr>
+        <p:spPr/>
+      </p:sp>
+      <p:sp>
+        <p:nvSpPr>
+          <p:cNvPr id="3" name="슬라이드 노트 개체 틀 2"/>
+          <p:cNvSpPr>
+            <a:spLocks noGrp="1"/>
+          </p:cNvSpPr>
+          <p:nvPr>
+            <p:ph type="body" idx="1"/>
+          </p:nvPr>
+        </p:nvSpPr>
+        <p:spPr/>
+        <p:txBody>
+          <a:bodyPr/>
+          <a:lstStyle/>
+          <a:p>
+            <a:endParaRPr lang="ko-KR" altLang="en-US" dirty="0"/>
+          </a:p>
+        </p:txBody>
+      </p:sp>
+      <p:sp>
+        <p:nvSpPr>
+          <p:cNvPr id="4" name="슬라이드 번호 개체 틀 3"/>
+          <p:cNvSpPr>
+            <a:spLocks noGrp="1"/>
+          </p:cNvSpPr>
+          <p:nvPr>
+            <p:ph type="sldNum" sz="quarter" idx="5"/>
+          </p:nvPr>
+        </p:nvSpPr>
+        <p:spPr/>
+        <p:txBody>
+          <a:bodyPr/>
+          <a:lstStyle/>
+          <a:p>
+            <a:fld id="{1EC2A714-B955-4E6A-86ED-9D137DE9C097}" type="slidenum">
+              <a:rPr lang="ko-KR" altLang="en-US" smtClean="0"/>
+              <a:t>6</a:t>
             </a:fld>
             <a:endParaRPr lang="ko-KR" altLang="en-US"/>
           </a:p>
@@ -7182,6 +7267,328 @@
           <a:chExt cx="0" cy="0"/>
         </a:xfrm>
       </p:grpSpPr>
+      <p:pic>
+        <p:nvPicPr>
+          <p:cNvPr id="2" name="그림 1">
+            <a:extLst>
+              <a:ext uri="{FF2B5EF4-FFF2-40B4-BE49-F238E27FC236}">
+                <a16:creationId xmlns:a16="http://schemas.microsoft.com/office/drawing/2014/main" id="{A2F06AB0-FD59-4D89-875B-81909844341C}"/>
+              </a:ext>
+            </a:extLst>
+          </p:cNvPr>
+          <p:cNvPicPr>
+            <a:picLocks noChangeAspect="1"/>
+          </p:cNvPicPr>
+          <p:nvPr/>
+        </p:nvPicPr>
+        <p:blipFill>
+          <a:blip r:embed="rId3"/>
+          <a:stretch>
+            <a:fillRect/>
+          </a:stretch>
+        </p:blipFill>
+        <p:spPr>
+          <a:xfrm>
+            <a:off x="4092530" y="1281641"/>
+            <a:ext cx="7748482" cy="4678891"/>
+          </a:xfrm>
+          <a:prstGeom prst="rect">
+            <a:avLst/>
+          </a:prstGeom>
+        </p:spPr>
+      </p:pic>
+      <p:sp>
+        <p:nvSpPr>
+          <p:cNvPr id="6" name="TextBox 5">
+            <a:extLst>
+              <a:ext uri="{FF2B5EF4-FFF2-40B4-BE49-F238E27FC236}">
+                <a16:creationId xmlns:a16="http://schemas.microsoft.com/office/drawing/2014/main" id="{8D6B318A-5623-4911-AAA2-43DBC00DCA2C}"/>
+              </a:ext>
+            </a:extLst>
+          </p:cNvPr>
+          <p:cNvSpPr txBox="1"/>
+          <p:nvPr/>
+        </p:nvSpPr>
+        <p:spPr>
+          <a:xfrm>
+            <a:off x="339907" y="477150"/>
+            <a:ext cx="10489671" cy="646331"/>
+          </a:xfrm>
+          <a:prstGeom prst="rect">
+            <a:avLst/>
+          </a:prstGeom>
+          <a:noFill/>
+        </p:spPr>
+        <p:txBody>
+          <a:bodyPr wrap="square" rtlCol="0">
+            <a:spAutoFit/>
+          </a:bodyPr>
+          <a:lstStyle/>
+          <a:p>
+            <a:r>
+              <a:rPr lang="en-US" altLang="ko-KR" dirty="0"/>
+              <a:t>9. </a:t>
+            </a:r>
+            <a:r>
+              <a:rPr lang="ko-KR" altLang="en-US" dirty="0" err="1"/>
+              <a:t>컴포트</a:t>
+            </a:r>
+            <a:r>
+              <a:rPr lang="ko-KR" altLang="en-US" dirty="0"/>
+              <a:t> 모니터링 속도 및 소스 업로드 속도 설정을 위해서 </a:t>
+            </a:r>
+            <a:r>
+              <a:rPr lang="en-US" altLang="ko-KR" dirty="0"/>
+              <a:t>platformio.ini </a:t>
+            </a:r>
+            <a:r>
+              <a:rPr lang="ko-KR" altLang="en-US" dirty="0"/>
+              <a:t>파일에 아래 적색 라인에 표시한 내용을 입력 하여 설정 해 줍니다</a:t>
+            </a:r>
+            <a:r>
+              <a:rPr lang="en-US" altLang="ko-KR" dirty="0"/>
+              <a:t>.</a:t>
+            </a:r>
+          </a:p>
+        </p:txBody>
+      </p:sp>
+      <p:sp>
+        <p:nvSpPr>
+          <p:cNvPr id="20" name="직사각형 19">
+            <a:extLst>
+              <a:ext uri="{FF2B5EF4-FFF2-40B4-BE49-F238E27FC236}">
+                <a16:creationId xmlns:a16="http://schemas.microsoft.com/office/drawing/2014/main" id="{78779B09-1E28-4E55-B882-DADC1CC3F61A}"/>
+              </a:ext>
+            </a:extLst>
+          </p:cNvPr>
+          <p:cNvSpPr/>
+          <p:nvPr/>
+        </p:nvSpPr>
+        <p:spPr>
+          <a:xfrm>
+            <a:off x="4599605" y="5245511"/>
+            <a:ext cx="2326128" cy="485243"/>
+          </a:xfrm>
+          <a:prstGeom prst="rect">
+            <a:avLst/>
+          </a:prstGeom>
+          <a:noFill/>
+          <a:ln w="28575">
+            <a:solidFill>
+              <a:srgbClr val="FF0000"/>
+            </a:solidFill>
+          </a:ln>
+        </p:spPr>
+        <p:style>
+          <a:lnRef idx="2">
+            <a:schemeClr val="accent1">
+              <a:shade val="50000"/>
+            </a:schemeClr>
+          </a:lnRef>
+          <a:fillRef idx="1">
+            <a:schemeClr val="accent1"/>
+          </a:fillRef>
+          <a:effectRef idx="0">
+            <a:schemeClr val="accent1"/>
+          </a:effectRef>
+          <a:fontRef idx="minor">
+            <a:schemeClr val="lt1"/>
+          </a:fontRef>
+        </p:style>
+        <p:txBody>
+          <a:bodyPr rtlCol="0" anchor="ctr"/>
+          <a:lstStyle/>
+          <a:p>
+            <a:pPr algn="ctr"/>
+            <a:endParaRPr lang="ko-KR" altLang="en-US"/>
+          </a:p>
+        </p:txBody>
+      </p:sp>
+      <p:pic>
+        <p:nvPicPr>
+          <p:cNvPr id="3" name="그림 2">
+            <a:extLst>
+              <a:ext uri="{FF2B5EF4-FFF2-40B4-BE49-F238E27FC236}">
+                <a16:creationId xmlns:a16="http://schemas.microsoft.com/office/drawing/2014/main" id="{F51A4694-133C-4FA1-82E2-5E847EAC84E6}"/>
+              </a:ext>
+            </a:extLst>
+          </p:cNvPr>
+          <p:cNvPicPr>
+            <a:picLocks noChangeAspect="1"/>
+          </p:cNvPicPr>
+          <p:nvPr/>
+        </p:nvPicPr>
+        <p:blipFill>
+          <a:blip r:embed="rId4"/>
+          <a:stretch>
+            <a:fillRect/>
+          </a:stretch>
+        </p:blipFill>
+        <p:spPr>
+          <a:xfrm>
+            <a:off x="772583" y="1983845"/>
+            <a:ext cx="2247900" cy="2466975"/>
+          </a:xfrm>
+          <a:prstGeom prst="rect">
+            <a:avLst/>
+          </a:prstGeom>
+        </p:spPr>
+      </p:pic>
+      <p:sp>
+        <p:nvSpPr>
+          <p:cNvPr id="10" name="직사각형 9">
+            <a:extLst>
+              <a:ext uri="{FF2B5EF4-FFF2-40B4-BE49-F238E27FC236}">
+                <a16:creationId xmlns:a16="http://schemas.microsoft.com/office/drawing/2014/main" id="{DFA71E6A-7E58-4A9D-B774-CDDA5F9B1CB0}"/>
+              </a:ext>
+            </a:extLst>
+          </p:cNvPr>
+          <p:cNvSpPr/>
+          <p:nvPr/>
+        </p:nvSpPr>
+        <p:spPr>
+          <a:xfrm>
+            <a:off x="848872" y="3965577"/>
+            <a:ext cx="1200061" cy="174623"/>
+          </a:xfrm>
+          <a:prstGeom prst="rect">
+            <a:avLst/>
+          </a:prstGeom>
+          <a:noFill/>
+          <a:ln w="28575">
+            <a:solidFill>
+              <a:srgbClr val="FF0000"/>
+            </a:solidFill>
+          </a:ln>
+        </p:spPr>
+        <p:style>
+          <a:lnRef idx="2">
+            <a:schemeClr val="accent1">
+              <a:shade val="50000"/>
+            </a:schemeClr>
+          </a:lnRef>
+          <a:fillRef idx="1">
+            <a:schemeClr val="accent1"/>
+          </a:fillRef>
+          <a:effectRef idx="0">
+            <a:schemeClr val="accent1"/>
+          </a:effectRef>
+          <a:fontRef idx="minor">
+            <a:schemeClr val="lt1"/>
+          </a:fontRef>
+        </p:style>
+        <p:txBody>
+          <a:bodyPr rtlCol="0" anchor="ctr"/>
+          <a:lstStyle/>
+          <a:p>
+            <a:pPr algn="ctr"/>
+            <a:endParaRPr lang="ko-KR" altLang="en-US"/>
+          </a:p>
+        </p:txBody>
+      </p:sp>
+      <p:sp>
+        <p:nvSpPr>
+          <p:cNvPr id="12" name="TextBox 11">
+            <a:extLst>
+              <a:ext uri="{FF2B5EF4-FFF2-40B4-BE49-F238E27FC236}">
+                <a16:creationId xmlns:a16="http://schemas.microsoft.com/office/drawing/2014/main" id="{67C26DAA-4C1C-4C86-B6CA-D0E50F139606}"/>
+              </a:ext>
+            </a:extLst>
+          </p:cNvPr>
+          <p:cNvSpPr txBox="1"/>
+          <p:nvPr/>
+        </p:nvSpPr>
+        <p:spPr>
+          <a:xfrm>
+            <a:off x="508507" y="5314201"/>
+            <a:ext cx="3166026" cy="646331"/>
+          </a:xfrm>
+          <a:prstGeom prst="rect">
+            <a:avLst/>
+          </a:prstGeom>
+          <a:noFill/>
+        </p:spPr>
+        <p:txBody>
+          <a:bodyPr wrap="square">
+            <a:spAutoFit/>
+          </a:bodyPr>
+          <a:lstStyle/>
+          <a:p>
+            <a:r>
+              <a:rPr lang="en-US" altLang="ko-KR" b="0" dirty="0" err="1">
+                <a:solidFill>
+                  <a:srgbClr val="569CD6"/>
+                </a:solidFill>
+                <a:effectLst/>
+                <a:latin typeface="Consolas" panose="020B0609020204030204" pitchFamily="49" charset="0"/>
+              </a:rPr>
+              <a:t>monitor_speed</a:t>
+            </a:r>
+            <a:r>
+              <a:rPr lang="en-US" altLang="ko-KR" b="0" dirty="0">
+                <a:solidFill>
+                  <a:srgbClr val="D4D4D4"/>
+                </a:solidFill>
+                <a:effectLst/>
+                <a:latin typeface="Consolas" panose="020B0609020204030204" pitchFamily="49" charset="0"/>
+              </a:rPr>
+              <a:t> = 115200</a:t>
+            </a:r>
+          </a:p>
+          <a:p>
+            <a:r>
+              <a:rPr lang="en-US" altLang="ko-KR" b="0" dirty="0" err="1">
+                <a:solidFill>
+                  <a:srgbClr val="569CD6"/>
+                </a:solidFill>
+                <a:effectLst/>
+                <a:latin typeface="Consolas" panose="020B0609020204030204" pitchFamily="49" charset="0"/>
+              </a:rPr>
+              <a:t>upload_speed</a:t>
+            </a:r>
+            <a:r>
+              <a:rPr lang="en-US" altLang="ko-KR" b="0" dirty="0">
+                <a:solidFill>
+                  <a:srgbClr val="D4D4D4"/>
+                </a:solidFill>
+                <a:effectLst/>
+                <a:latin typeface="Consolas" panose="020B0609020204030204" pitchFamily="49" charset="0"/>
+              </a:rPr>
+              <a:t> = 921600</a:t>
+            </a:r>
+          </a:p>
+        </p:txBody>
+      </p:sp>
+    </p:spTree>
+    <p:extLst>
+      <p:ext uri="{BB962C8B-B14F-4D97-AF65-F5344CB8AC3E}">
+        <p14:creationId xmlns:p14="http://schemas.microsoft.com/office/powerpoint/2010/main" val="818030815"/>
+      </p:ext>
+    </p:extLst>
+  </p:cSld>
+  <p:clrMapOvr>
+    <a:masterClrMapping/>
+  </p:clrMapOvr>
+</p:sld>
+</file>
+
+<file path=ppt/slides/slide6.xml><?xml version="1.0" encoding="utf-8"?>
+<p:sld xmlns:a="http://schemas.openxmlformats.org/drawingml/2006/main" xmlns:r="http://schemas.openxmlformats.org/officeDocument/2006/relationships" xmlns:p="http://schemas.openxmlformats.org/presentationml/2006/main">
+  <p:cSld>
+    <p:spTree>
+      <p:nvGrpSpPr>
+        <p:cNvPr id="1" name=""/>
+        <p:cNvGrpSpPr/>
+        <p:nvPr/>
+      </p:nvGrpSpPr>
+      <p:grpSpPr>
+        <a:xfrm>
+          <a:off x="0" y="0"/>
+          <a:ext cx="0" cy="0"/>
+          <a:chOff x="0" y="0"/>
+          <a:chExt cx="0" cy="0"/>
+        </a:xfrm>
+      </p:grpSpPr>
       <p:sp>
         <p:nvSpPr>
           <p:cNvPr id="6" name="TextBox 5">
@@ -7212,7 +7619,7 @@
           <a:p>
             <a:r>
               <a:rPr lang="en-US" altLang="ko-KR" dirty="0"/>
-              <a:t>9. </a:t>
+              <a:t>10. </a:t>
             </a:r>
             <a:r>
               <a:rPr lang="ko-KR" altLang="en-US" dirty="0"/>
@@ -7318,7 +7725,7 @@
           <a:p>
             <a:r>
               <a:rPr lang="en-US" altLang="ko-KR" dirty="0"/>
-              <a:t>10. </a:t>
+              <a:t>11. </a:t>
             </a:r>
             <a:r>
               <a:rPr lang="ko-KR" altLang="en-US" dirty="0"/>

--- a/ESP32/DOC/PlatformIO로 Espressif타겟 프로젝트 만들기.pptx
+++ b/ESP32/DOC/PlatformIO로 Espressif타겟 프로젝트 만들기.pptx
@@ -202,7 +202,7 @@
           <a:p>
             <a:fld id="{CB14AE96-399F-4623-A0DA-160FE8D011F9}" type="datetimeFigureOut">
               <a:rPr lang="ko-KR" altLang="en-US" smtClean="0"/>
-              <a:t>2020-10-28</a:t>
+              <a:t>2020-11-18</a:t>
             </a:fld>
             <a:endParaRPr lang="ko-KR" altLang="en-US"/>
           </a:p>
@@ -952,7 +952,7 @@
           <a:p>
             <a:fld id="{94A1D249-B86C-4BD1-ADEC-6744FF3DBBA5}" type="datetimeFigureOut">
               <a:rPr lang="ko-KR" altLang="en-US" smtClean="0"/>
-              <a:t>2020-10-28</a:t>
+              <a:t>2020-11-18</a:t>
             </a:fld>
             <a:endParaRPr lang="ko-KR" altLang="en-US"/>
           </a:p>
@@ -1150,7 +1150,7 @@
           <a:p>
             <a:fld id="{94A1D249-B86C-4BD1-ADEC-6744FF3DBBA5}" type="datetimeFigureOut">
               <a:rPr lang="ko-KR" altLang="en-US" smtClean="0"/>
-              <a:t>2020-10-28</a:t>
+              <a:t>2020-11-18</a:t>
             </a:fld>
             <a:endParaRPr lang="ko-KR" altLang="en-US"/>
           </a:p>
@@ -1358,7 +1358,7 @@
           <a:p>
             <a:fld id="{94A1D249-B86C-4BD1-ADEC-6744FF3DBBA5}" type="datetimeFigureOut">
               <a:rPr lang="ko-KR" altLang="en-US" smtClean="0"/>
-              <a:t>2020-10-28</a:t>
+              <a:t>2020-11-18</a:t>
             </a:fld>
             <a:endParaRPr lang="ko-KR" altLang="en-US"/>
           </a:p>
@@ -1556,7 +1556,7 @@
           <a:p>
             <a:fld id="{94A1D249-B86C-4BD1-ADEC-6744FF3DBBA5}" type="datetimeFigureOut">
               <a:rPr lang="ko-KR" altLang="en-US" smtClean="0"/>
-              <a:t>2020-10-28</a:t>
+              <a:t>2020-11-18</a:t>
             </a:fld>
             <a:endParaRPr lang="ko-KR" altLang="en-US"/>
           </a:p>
@@ -1831,7 +1831,7 @@
           <a:p>
             <a:fld id="{94A1D249-B86C-4BD1-ADEC-6744FF3DBBA5}" type="datetimeFigureOut">
               <a:rPr lang="ko-KR" altLang="en-US" smtClean="0"/>
-              <a:t>2020-10-28</a:t>
+              <a:t>2020-11-18</a:t>
             </a:fld>
             <a:endParaRPr lang="ko-KR" altLang="en-US"/>
           </a:p>
@@ -2096,7 +2096,7 @@
           <a:p>
             <a:fld id="{94A1D249-B86C-4BD1-ADEC-6744FF3DBBA5}" type="datetimeFigureOut">
               <a:rPr lang="ko-KR" altLang="en-US" smtClean="0"/>
-              <a:t>2020-10-28</a:t>
+              <a:t>2020-11-18</a:t>
             </a:fld>
             <a:endParaRPr lang="ko-KR" altLang="en-US"/>
           </a:p>
@@ -2508,7 +2508,7 @@
           <a:p>
             <a:fld id="{94A1D249-B86C-4BD1-ADEC-6744FF3DBBA5}" type="datetimeFigureOut">
               <a:rPr lang="ko-KR" altLang="en-US" smtClean="0"/>
-              <a:t>2020-10-28</a:t>
+              <a:t>2020-11-18</a:t>
             </a:fld>
             <a:endParaRPr lang="ko-KR" altLang="en-US"/>
           </a:p>
@@ -2649,7 +2649,7 @@
           <a:p>
             <a:fld id="{94A1D249-B86C-4BD1-ADEC-6744FF3DBBA5}" type="datetimeFigureOut">
               <a:rPr lang="ko-KR" altLang="en-US" smtClean="0"/>
-              <a:t>2020-10-28</a:t>
+              <a:t>2020-11-18</a:t>
             </a:fld>
             <a:endParaRPr lang="ko-KR" altLang="en-US"/>
           </a:p>
@@ -2762,7 +2762,7 @@
           <a:p>
             <a:fld id="{94A1D249-B86C-4BD1-ADEC-6744FF3DBBA5}" type="datetimeFigureOut">
               <a:rPr lang="ko-KR" altLang="en-US" smtClean="0"/>
-              <a:t>2020-10-28</a:t>
+              <a:t>2020-11-18</a:t>
             </a:fld>
             <a:endParaRPr lang="ko-KR" altLang="en-US"/>
           </a:p>
@@ -3073,7 +3073,7 @@
           <a:p>
             <a:fld id="{94A1D249-B86C-4BD1-ADEC-6744FF3DBBA5}" type="datetimeFigureOut">
               <a:rPr lang="ko-KR" altLang="en-US" smtClean="0"/>
-              <a:t>2020-10-28</a:t>
+              <a:t>2020-11-18</a:t>
             </a:fld>
             <a:endParaRPr lang="ko-KR" altLang="en-US"/>
           </a:p>
@@ -3361,7 +3361,7 @@
           <a:p>
             <a:fld id="{94A1D249-B86C-4BD1-ADEC-6744FF3DBBA5}" type="datetimeFigureOut">
               <a:rPr lang="ko-KR" altLang="en-US" smtClean="0"/>
-              <a:t>2020-10-28</a:t>
+              <a:t>2020-11-18</a:t>
             </a:fld>
             <a:endParaRPr lang="ko-KR" altLang="en-US"/>
           </a:p>
@@ -3602,7 +3602,7 @@
           <a:p>
             <a:fld id="{94A1D249-B86C-4BD1-ADEC-6744FF3DBBA5}" type="datetimeFigureOut">
               <a:rPr lang="ko-KR" altLang="en-US" smtClean="0"/>
-              <a:t>2020-10-28</a:t>
+              <a:t>2020-11-18</a:t>
             </a:fld>
             <a:endParaRPr lang="ko-KR" altLang="en-US"/>
           </a:p>
@@ -4097,12 +4097,8 @@
               <a:t>  있는 </a:t>
             </a:r>
             <a:r>
-              <a:rPr lang="en-US" altLang="ko-KR" dirty="0" err="1"/>
-              <a:t>PlatformIO</a:t>
-            </a:r>
-            <a:r>
               <a:rPr lang="en-US" altLang="ko-KR" dirty="0"/>
-              <a:t> </a:t>
+              <a:t>Platform IO </a:t>
             </a:r>
             <a:r>
               <a:rPr lang="ko-KR" altLang="en-US" dirty="0"/>
@@ -4928,8 +4924,8 @@
         </p:nvSpPr>
         <p:spPr>
           <a:xfrm flipH="1">
-            <a:off x="7792254" y="5831138"/>
-            <a:ext cx="1645004" cy="334454"/>
+            <a:off x="7792253" y="5831138"/>
+            <a:ext cx="2180177" cy="334454"/>
           </a:xfrm>
           <a:prstGeom prst="homePlate">
             <a:avLst/>
@@ -4957,8 +4953,16 @@
           <a:p>
             <a:pPr algn="ctr"/>
             <a:r>
-              <a:rPr lang="ko-KR" altLang="en-US"/>
-              <a:t>선택</a:t>
+              <a:rPr lang="en-US" altLang="ko-KR" err="1"/>
+              <a:t>Espressif</a:t>
+            </a:r>
+            <a:r>
+              <a:rPr lang="en-US" altLang="ko-KR" dirty="0"/>
+              <a:t>  </a:t>
+            </a:r>
+            <a:r>
+              <a:rPr lang="ko-KR" altLang="en-US" dirty="0" err="1"/>
+              <a:t>를선택</a:t>
             </a:r>
             <a:endParaRPr lang="ko-KR" altLang="en-US" dirty="0"/>
           </a:p>
@@ -5914,7 +5918,7 @@
         <p:spPr>
           <a:xfrm>
             <a:off x="742462" y="824441"/>
-            <a:ext cx="6111631" cy="5209118"/>
+            <a:ext cx="6111631" cy="4616648"/>
           </a:xfrm>
           <a:prstGeom prst="rect">
             <a:avLst/>
@@ -5929,58 +5933,148 @@
           <a:p>
             <a:r>
               <a:rPr lang="en-US" altLang="ko-KR" sz="1400" b="0" dirty="0">
-                <a:solidFill>
-                  <a:srgbClr val="C586C0"/>
-                </a:solidFill>
                 <a:effectLst/>
                 <a:latin typeface="Consolas" panose="020B0609020204030204" pitchFamily="49" charset="0"/>
               </a:rPr>
-              <a:t>#include</a:t>
-            </a:r>
-            <a:r>
-              <a:rPr lang="en-US" altLang="ko-KR" sz="1400" b="0" dirty="0">
-                <a:solidFill>
-                  <a:srgbClr val="569CD6"/>
-                </a:solidFill>
+              <a:t>#include &lt;</a:t>
+            </a:r>
+            <a:r>
+              <a:rPr lang="en-US" altLang="ko-KR" sz="1400" b="0" dirty="0" err="1">
                 <a:effectLst/>
                 <a:latin typeface="Consolas" panose="020B0609020204030204" pitchFamily="49" charset="0"/>
               </a:rPr>
-              <a:t> </a:t>
+              <a:t>stdio.h</a:t>
             </a:r>
             <a:r>
               <a:rPr lang="en-US" altLang="ko-KR" sz="1400" b="0" dirty="0">
-                <a:solidFill>
-                  <a:srgbClr val="CE9178"/>
-                </a:solidFill>
                 <a:effectLst/>
                 <a:latin typeface="Consolas" panose="020B0609020204030204" pitchFamily="49" charset="0"/>
               </a:rPr>
-              <a:t>&lt;</a:t>
-            </a:r>
-            <a:r>
-              <a:rPr lang="en-US" altLang="ko-KR" sz="1400" b="0" dirty="0" err="1">
-                <a:solidFill>
-                  <a:srgbClr val="CE9178"/>
-                </a:solidFill>
+              <a:t>&gt;</a:t>
+            </a:r>
+          </a:p>
+          <a:p>
+            <a:r>
+              <a:rPr lang="en-US" altLang="ko-KR" sz="1400" b="0" dirty="0">
                 <a:effectLst/>
                 <a:latin typeface="Consolas" panose="020B0609020204030204" pitchFamily="49" charset="0"/>
               </a:rPr>
-              <a:t>stdio.h</a:t>
-            </a:r>
-            <a:r>
-              <a:rPr lang="en-US" altLang="ko-KR" sz="1400" b="0" dirty="0">
-                <a:solidFill>
-                  <a:srgbClr val="CE9178"/>
-                </a:solidFill>
+              <a:t>#include &lt;</a:t>
+            </a:r>
+            <a:r>
+              <a:rPr lang="en-US" altLang="ko-KR" sz="1400" b="0" dirty="0" err="1">
                 <a:effectLst/>
                 <a:latin typeface="Consolas" panose="020B0609020204030204" pitchFamily="49" charset="0"/>
               </a:rPr>
+              <a:t>stdint.h</a:t>
+            </a:r>
+            <a:r>
+              <a:rPr lang="en-US" altLang="ko-KR" sz="1400" b="0" dirty="0">
+                <a:effectLst/>
+                <a:latin typeface="Consolas" panose="020B0609020204030204" pitchFamily="49" charset="0"/>
+              </a:rPr>
               <a:t>&gt;</a:t>
             </a:r>
+          </a:p>
+          <a:p>
+            <a:r>
+              <a:rPr lang="en-US" altLang="ko-KR" sz="1400" b="0" dirty="0">
+                <a:effectLst/>
+                <a:latin typeface="Consolas" panose="020B0609020204030204" pitchFamily="49" charset="0"/>
+              </a:rPr>
+              <a:t>#include "</a:t>
+            </a:r>
+            <a:r>
+              <a:rPr lang="en-US" altLang="ko-KR" sz="1400" b="0" dirty="0" err="1">
+                <a:effectLst/>
+                <a:latin typeface="Consolas" panose="020B0609020204030204" pitchFamily="49" charset="0"/>
+              </a:rPr>
+              <a:t>freertos</a:t>
+            </a:r>
+            <a:r>
+              <a:rPr lang="en-US" altLang="ko-KR" sz="1400" b="0" dirty="0">
+                <a:effectLst/>
+                <a:latin typeface="Consolas" panose="020B0609020204030204" pitchFamily="49" charset="0"/>
+              </a:rPr>
+              <a:t>/</a:t>
+            </a:r>
+            <a:r>
+              <a:rPr lang="en-US" altLang="ko-KR" sz="1400" b="0" dirty="0" err="1">
+                <a:effectLst/>
+                <a:latin typeface="Consolas" panose="020B0609020204030204" pitchFamily="49" charset="0"/>
+              </a:rPr>
+              <a:t>FreeRTOS.h</a:t>
+            </a:r>
+            <a:r>
+              <a:rPr lang="en-US" altLang="ko-KR" sz="1400" b="0" dirty="0">
+                <a:effectLst/>
+                <a:latin typeface="Consolas" panose="020B0609020204030204" pitchFamily="49" charset="0"/>
+              </a:rPr>
+              <a:t>"</a:t>
+            </a:r>
+          </a:p>
+          <a:p>
+            <a:r>
+              <a:rPr lang="en-US" altLang="ko-KR" sz="1400" b="0" dirty="0">
+                <a:effectLst/>
+                <a:latin typeface="Consolas" panose="020B0609020204030204" pitchFamily="49" charset="0"/>
+              </a:rPr>
+              <a:t>#include "</a:t>
+            </a:r>
+            <a:r>
+              <a:rPr lang="en-US" altLang="ko-KR" sz="1400" b="0" dirty="0" err="1">
+                <a:effectLst/>
+                <a:latin typeface="Consolas" panose="020B0609020204030204" pitchFamily="49" charset="0"/>
+              </a:rPr>
+              <a:t>freertos</a:t>
+            </a:r>
+            <a:r>
+              <a:rPr lang="en-US" altLang="ko-KR" sz="1400" b="0" dirty="0">
+                <a:effectLst/>
+                <a:latin typeface="Consolas" panose="020B0609020204030204" pitchFamily="49" charset="0"/>
+              </a:rPr>
+              <a:t>/</a:t>
+            </a:r>
+            <a:r>
+              <a:rPr lang="en-US" altLang="ko-KR" sz="1400" b="0" dirty="0" err="1">
+                <a:effectLst/>
+                <a:latin typeface="Consolas" panose="020B0609020204030204" pitchFamily="49" charset="0"/>
+              </a:rPr>
+              <a:t>task.h</a:t>
+            </a:r>
+            <a:r>
+              <a:rPr lang="en-US" altLang="ko-KR" sz="1400" b="0" dirty="0">
+                <a:effectLst/>
+                <a:latin typeface="Consolas" panose="020B0609020204030204" pitchFamily="49" charset="0"/>
+              </a:rPr>
+              <a:t>"</a:t>
+            </a:r>
+          </a:p>
+          <a:p>
+            <a:r>
+              <a:rPr lang="en-US" altLang="ko-KR" sz="1400" b="0" dirty="0">
+                <a:effectLst/>
+                <a:latin typeface="Consolas" panose="020B0609020204030204" pitchFamily="49" charset="0"/>
+              </a:rPr>
+              <a:t>#include "driver/</a:t>
+            </a:r>
+            <a:r>
+              <a:rPr lang="en-US" altLang="ko-KR" sz="1400" b="0" dirty="0" err="1">
+                <a:effectLst/>
+                <a:latin typeface="Consolas" panose="020B0609020204030204" pitchFamily="49" charset="0"/>
+              </a:rPr>
+              <a:t>gpio.h</a:t>
+            </a:r>
+            <a:r>
+              <a:rPr lang="en-US" altLang="ko-KR" sz="1400" b="0" dirty="0">
+                <a:effectLst/>
+                <a:latin typeface="Consolas" panose="020B0609020204030204" pitchFamily="49" charset="0"/>
+              </a:rPr>
+              <a:t>"</a:t>
+            </a:r>
+          </a:p>
+          <a:p>
             <a:endParaRPr lang="en-US" altLang="ko-KR" sz="1400" b="0" dirty="0">
-              <a:solidFill>
-                <a:srgbClr val="D4D4D4"/>
-              </a:solidFill>
               <a:effectLst/>
               <a:latin typeface="Consolas" panose="020B0609020204030204" pitchFamily="49" charset="0"/>
             </a:endParaRPr>
@@ -5988,58 +6082,60 @@
           <a:p>
             <a:r>
               <a:rPr lang="en-US" altLang="ko-KR" sz="1400" b="0" dirty="0">
-                <a:solidFill>
-                  <a:srgbClr val="C586C0"/>
-                </a:solidFill>
                 <a:effectLst/>
                 <a:latin typeface="Consolas" panose="020B0609020204030204" pitchFamily="49" charset="0"/>
               </a:rPr>
-              <a:t>#include</a:t>
-            </a:r>
+              <a:t>#define LED_GPIO    2</a:t>
+            </a:r>
+          </a:p>
+          <a:p>
             <a:r>
               <a:rPr lang="en-US" altLang="ko-KR" sz="1400" b="0" dirty="0">
-                <a:solidFill>
-                  <a:srgbClr val="569CD6"/>
-                </a:solidFill>
                 <a:effectLst/>
                 <a:latin typeface="Consolas" panose="020B0609020204030204" pitchFamily="49" charset="0"/>
               </a:rPr>
-              <a:t> </a:t>
-            </a:r>
-            <a:r>
-              <a:rPr lang="en-US" altLang="ko-KR" sz="1400" b="0" dirty="0">
-                <a:solidFill>
-                  <a:srgbClr val="CE9178"/>
-                </a:solidFill>
+              <a:t>#define LED_ON      </a:t>
+            </a:r>
+            <a:r>
+              <a:rPr lang="en-US" altLang="ko-KR" sz="1400" b="0" dirty="0" err="1">
                 <a:effectLst/>
                 <a:latin typeface="Consolas" panose="020B0609020204030204" pitchFamily="49" charset="0"/>
               </a:rPr>
-              <a:t>&lt;</a:t>
-            </a:r>
-            <a:r>
-              <a:rPr lang="en-US" altLang="ko-KR" sz="1400" b="0" dirty="0" err="1">
-                <a:solidFill>
-                  <a:srgbClr val="CE9178"/>
-                </a:solidFill>
+              <a:t>gpio_set_level</a:t>
+            </a:r>
+            <a:r>
+              <a:rPr lang="en-US" altLang="ko-KR" sz="1400" b="0" dirty="0">
                 <a:effectLst/>
                 <a:latin typeface="Consolas" panose="020B0609020204030204" pitchFamily="49" charset="0"/>
               </a:rPr>
-              <a:t>stdint.h</a:t>
-            </a:r>
+              <a:t>(LED_GPIO,0)</a:t>
+            </a:r>
+          </a:p>
+          <a:p>
             <a:r>
               <a:rPr lang="en-US" altLang="ko-KR" sz="1400" b="0" dirty="0">
-                <a:solidFill>
-                  <a:srgbClr val="CE9178"/>
-                </a:solidFill>
                 <a:effectLst/>
                 <a:latin typeface="Consolas" panose="020B0609020204030204" pitchFamily="49" charset="0"/>
               </a:rPr>
-              <a:t>&gt;</a:t>
-            </a:r>
+              <a:t>#define LED_OFF     </a:t>
+            </a:r>
+            <a:r>
+              <a:rPr lang="en-US" altLang="ko-KR" sz="1400" b="0" dirty="0" err="1">
+                <a:effectLst/>
+                <a:latin typeface="Consolas" panose="020B0609020204030204" pitchFamily="49" charset="0"/>
+              </a:rPr>
+              <a:t>gpio_set_level</a:t>
+            </a:r>
+            <a:r>
+              <a:rPr lang="en-US" altLang="ko-KR" sz="1400" b="0" dirty="0">
+                <a:effectLst/>
+                <a:latin typeface="Consolas" panose="020B0609020204030204" pitchFamily="49" charset="0"/>
+              </a:rPr>
+              <a:t>(LED_GPIO,1)</a:t>
+            </a:r>
+          </a:p>
+          <a:p>
             <a:endParaRPr lang="en-US" altLang="ko-KR" sz="1400" b="0" dirty="0">
-              <a:solidFill>
-                <a:srgbClr val="D4D4D4"/>
-              </a:solidFill>
               <a:effectLst/>
               <a:latin typeface="Consolas" panose="020B0609020204030204" pitchFamily="49" charset="0"/>
             </a:endParaRPr>
@@ -6047,956 +6143,213 @@
           <a:p>
             <a:r>
               <a:rPr lang="en-US" altLang="ko-KR" sz="1400" b="0" dirty="0">
-                <a:solidFill>
-                  <a:srgbClr val="C586C0"/>
-                </a:solidFill>
                 <a:effectLst/>
                 <a:latin typeface="Consolas" panose="020B0609020204030204" pitchFamily="49" charset="0"/>
               </a:rPr>
-              <a:t>#include</a:t>
-            </a:r>
-            <a:r>
-              <a:rPr lang="en-US" altLang="ko-KR" sz="1400" b="0" dirty="0">
-                <a:solidFill>
-                  <a:srgbClr val="569CD6"/>
-                </a:solidFill>
+              <a:t>void </a:t>
+            </a:r>
+            <a:r>
+              <a:rPr lang="en-US" altLang="ko-KR" sz="1400" b="0" dirty="0" err="1">
                 <a:effectLst/>
                 <a:latin typeface="Consolas" panose="020B0609020204030204" pitchFamily="49" charset="0"/>
               </a:rPr>
-              <a:t> </a:t>
+              <a:t>app_main</a:t>
             </a:r>
             <a:r>
               <a:rPr lang="en-US" altLang="ko-KR" sz="1400" b="0" dirty="0">
-                <a:solidFill>
-                  <a:srgbClr val="CE9178"/>
-                </a:solidFill>
                 <a:effectLst/>
                 <a:latin typeface="Consolas" panose="020B0609020204030204" pitchFamily="49" charset="0"/>
               </a:rPr>
-              <a:t>"</a:t>
-            </a:r>
-            <a:r>
-              <a:rPr lang="en-US" altLang="ko-KR" sz="1400" b="0" dirty="0" err="1">
-                <a:solidFill>
-                  <a:srgbClr val="CE9178"/>
-                </a:solidFill>
+              <a:t>() {</a:t>
+            </a:r>
+          </a:p>
+          <a:p>
+            <a:r>
+              <a:rPr lang="en-US" altLang="ko-KR" sz="1400" b="0" dirty="0">
                 <a:effectLst/>
                 <a:latin typeface="Consolas" panose="020B0609020204030204" pitchFamily="49" charset="0"/>
               </a:rPr>
-              <a:t>freertos</a:t>
-            </a:r>
-            <a:r>
-              <a:rPr lang="en-US" altLang="ko-KR" sz="1400" b="0" dirty="0">
-                <a:solidFill>
-                  <a:srgbClr val="CE9178"/>
-                </a:solidFill>
+              <a:t>    </a:t>
+            </a:r>
+            <a:r>
+              <a:rPr lang="en-US" altLang="ko-KR" sz="1400" b="0" dirty="0" err="1">
                 <a:effectLst/>
                 <a:latin typeface="Consolas" panose="020B0609020204030204" pitchFamily="49" charset="0"/>
               </a:rPr>
-              <a:t>/</a:t>
-            </a:r>
-            <a:r>
-              <a:rPr lang="en-US" altLang="ko-KR" sz="1400" b="0" dirty="0" err="1">
-                <a:solidFill>
-                  <a:srgbClr val="CE9178"/>
-                </a:solidFill>
+              <a:t>gpio_pad_select_gpio</a:t>
+            </a:r>
+            <a:r>
+              <a:rPr lang="en-US" altLang="ko-KR" sz="1400" b="0" dirty="0">
                 <a:effectLst/>
                 <a:latin typeface="Consolas" panose="020B0609020204030204" pitchFamily="49" charset="0"/>
               </a:rPr>
-              <a:t>FreeRTOS.h</a:t>
-            </a:r>
+              <a:t>(LED_GPIO);</a:t>
+            </a:r>
+          </a:p>
+          <a:p>
             <a:r>
               <a:rPr lang="en-US" altLang="ko-KR" sz="1400" b="0" dirty="0">
-                <a:solidFill>
-                  <a:srgbClr val="CE9178"/>
-                </a:solidFill>
                 <a:effectLst/>
                 <a:latin typeface="Consolas" panose="020B0609020204030204" pitchFamily="49" charset="0"/>
               </a:rPr>
-              <a:t>"</a:t>
-            </a:r>
-            <a:endParaRPr lang="en-US" altLang="ko-KR" sz="1400" b="0" dirty="0">
-              <a:solidFill>
-                <a:srgbClr val="D4D4D4"/>
-              </a:solidFill>
-              <a:effectLst/>
-              <a:latin typeface="Consolas" panose="020B0609020204030204" pitchFamily="49" charset="0"/>
-            </a:endParaRPr>
-          </a:p>
-          <a:p>
-            <a:r>
-              <a:rPr lang="en-US" altLang="ko-KR" sz="1400" b="0" dirty="0">
-                <a:solidFill>
-                  <a:srgbClr val="C586C0"/>
-                </a:solidFill>
+              <a:t>    </a:t>
+            </a:r>
+            <a:r>
+              <a:rPr lang="en-US" altLang="ko-KR" sz="1400" b="0" dirty="0" err="1">
                 <a:effectLst/>
                 <a:latin typeface="Consolas" panose="020B0609020204030204" pitchFamily="49" charset="0"/>
               </a:rPr>
-              <a:t>#include</a:t>
+              <a:t>gpio_set_direction</a:t>
             </a:r>
             <a:r>
               <a:rPr lang="en-US" altLang="ko-KR" sz="1400" b="0" dirty="0">
-                <a:solidFill>
-                  <a:srgbClr val="569CD6"/>
-                </a:solidFill>
                 <a:effectLst/>
                 <a:latin typeface="Consolas" panose="020B0609020204030204" pitchFamily="49" charset="0"/>
               </a:rPr>
-              <a:t> </a:t>
-            </a:r>
+              <a:t>(LED_GPIO, GPIO_MODE_OUTPUT);</a:t>
+            </a:r>
+          </a:p>
+          <a:p>
             <a:r>
               <a:rPr lang="en-US" altLang="ko-KR" sz="1400" b="0" dirty="0">
-                <a:solidFill>
-                  <a:srgbClr val="CE9178"/>
-                </a:solidFill>
                 <a:effectLst/>
                 <a:latin typeface="Consolas" panose="020B0609020204030204" pitchFamily="49" charset="0"/>
               </a:rPr>
-              <a:t>"</a:t>
+              <a:t>    </a:t>
             </a:r>
             <a:r>
               <a:rPr lang="en-US" altLang="ko-KR" sz="1400" b="0" dirty="0" err="1">
-                <a:solidFill>
-                  <a:srgbClr val="CE9178"/>
-                </a:solidFill>
                 <a:effectLst/>
                 <a:latin typeface="Consolas" panose="020B0609020204030204" pitchFamily="49" charset="0"/>
               </a:rPr>
-              <a:t>freertos</a:t>
+              <a:t>printf</a:t>
             </a:r>
             <a:r>
               <a:rPr lang="en-US" altLang="ko-KR" sz="1400" b="0" dirty="0">
-                <a:solidFill>
-                  <a:srgbClr val="CE9178"/>
-                </a:solidFill>
                 <a:effectLst/>
                 <a:latin typeface="Consolas" panose="020B0609020204030204" pitchFamily="49" charset="0"/>
               </a:rPr>
-              <a:t>/</a:t>
-            </a:r>
-            <a:r>
-              <a:rPr lang="en-US" altLang="ko-KR" sz="1400" b="0" dirty="0" err="1">
-                <a:solidFill>
-                  <a:srgbClr val="CE9178"/>
-                </a:solidFill>
+              <a:t>("system start!\r\n");</a:t>
+            </a:r>
+          </a:p>
+          <a:p>
+            <a:r>
+              <a:rPr lang="en-US" altLang="ko-KR" sz="1400" b="0" dirty="0">
                 <a:effectLst/>
                 <a:latin typeface="Consolas" panose="020B0609020204030204" pitchFamily="49" charset="0"/>
               </a:rPr>
-              <a:t>task.h</a:t>
-            </a:r>
+              <a:t>    while(1){</a:t>
+            </a:r>
+          </a:p>
+          <a:p>
             <a:r>
               <a:rPr lang="en-US" altLang="ko-KR" sz="1400" b="0" dirty="0">
-                <a:solidFill>
-                  <a:srgbClr val="CE9178"/>
-                </a:solidFill>
                 <a:effectLst/>
                 <a:latin typeface="Consolas" panose="020B0609020204030204" pitchFamily="49" charset="0"/>
               </a:rPr>
-              <a:t>"</a:t>
-            </a:r>
-            <a:endParaRPr lang="en-US" altLang="ko-KR" sz="1400" b="0" dirty="0">
-              <a:solidFill>
-                <a:srgbClr val="D4D4D4"/>
-              </a:solidFill>
-              <a:effectLst/>
-              <a:latin typeface="Consolas" panose="020B0609020204030204" pitchFamily="49" charset="0"/>
-            </a:endParaRPr>
+              <a:t>        LED_ON;</a:t>
+            </a:r>
           </a:p>
           <a:p>
             <a:r>
               <a:rPr lang="en-US" altLang="ko-KR" sz="1400" b="0" dirty="0">
-                <a:solidFill>
-                  <a:srgbClr val="C586C0"/>
-                </a:solidFill>
                 <a:effectLst/>
                 <a:latin typeface="Consolas" panose="020B0609020204030204" pitchFamily="49" charset="0"/>
               </a:rPr>
-              <a:t>#include</a:t>
-            </a:r>
-            <a:r>
-              <a:rPr lang="en-US" altLang="ko-KR" sz="1400" b="0" dirty="0">
-                <a:solidFill>
-                  <a:srgbClr val="569CD6"/>
-                </a:solidFill>
+              <a:t>        </a:t>
+            </a:r>
+            <a:r>
+              <a:rPr lang="en-US" altLang="ko-KR" sz="1400" b="0" dirty="0" err="1">
                 <a:effectLst/>
                 <a:latin typeface="Consolas" panose="020B0609020204030204" pitchFamily="49" charset="0"/>
               </a:rPr>
-              <a:t> </a:t>
+              <a:t>vTaskDelay</a:t>
             </a:r>
             <a:r>
               <a:rPr lang="en-US" altLang="ko-KR" sz="1400" b="0" dirty="0">
-                <a:solidFill>
-                  <a:srgbClr val="CE9178"/>
-                </a:solidFill>
                 <a:effectLst/>
                 <a:latin typeface="Consolas" panose="020B0609020204030204" pitchFamily="49" charset="0"/>
               </a:rPr>
-              <a:t>"driver/</a:t>
+              <a:t>(500/</a:t>
             </a:r>
             <a:r>
               <a:rPr lang="en-US" altLang="ko-KR" sz="1400" b="0" dirty="0" err="1">
-                <a:solidFill>
-                  <a:srgbClr val="CE9178"/>
-                </a:solidFill>
                 <a:effectLst/>
                 <a:latin typeface="Consolas" panose="020B0609020204030204" pitchFamily="49" charset="0"/>
               </a:rPr>
-              <a:t>gpio.h</a:t>
+              <a:t>portTICK_PERIOD_MS</a:t>
             </a:r>
             <a:r>
               <a:rPr lang="en-US" altLang="ko-KR" sz="1400" b="0" dirty="0">
-                <a:solidFill>
-                  <a:srgbClr val="CE9178"/>
-                </a:solidFill>
                 <a:effectLst/>
                 <a:latin typeface="Consolas" panose="020B0609020204030204" pitchFamily="49" charset="0"/>
               </a:rPr>
-              <a:t>"</a:t>
-            </a:r>
-            <a:endParaRPr lang="en-US" altLang="ko-KR" sz="1400" b="0" dirty="0">
-              <a:solidFill>
-                <a:srgbClr val="D4D4D4"/>
-              </a:solidFill>
-              <a:effectLst/>
-              <a:latin typeface="Consolas" panose="020B0609020204030204" pitchFamily="49" charset="0"/>
-            </a:endParaRPr>
-          </a:p>
-          <a:p>
-            <a:br>
+              <a:t>);</a:t>
+            </a:r>
+          </a:p>
+          <a:p>
+            <a:r>
               <a:rPr lang="en-US" altLang="ko-KR" sz="1400" b="0" dirty="0">
-                <a:solidFill>
-                  <a:srgbClr val="D4D4D4"/>
-                </a:solidFill>
                 <a:effectLst/>
                 <a:latin typeface="Consolas" panose="020B0609020204030204" pitchFamily="49" charset="0"/>
               </a:rPr>
-            </a:br>
+              <a:t>        LED_OFF;</a:t>
+            </a:r>
+          </a:p>
+          <a:p>
             <a:r>
               <a:rPr lang="en-US" altLang="ko-KR" sz="1400" b="0" dirty="0">
-                <a:solidFill>
-                  <a:srgbClr val="C586C0"/>
-                </a:solidFill>
                 <a:effectLst/>
                 <a:latin typeface="Consolas" panose="020B0609020204030204" pitchFamily="49" charset="0"/>
               </a:rPr>
-              <a:t>#define</a:t>
-            </a:r>
-            <a:r>
-              <a:rPr lang="en-US" altLang="ko-KR" sz="1400" b="0" dirty="0">
-                <a:solidFill>
-                  <a:srgbClr val="569CD6"/>
-                </a:solidFill>
+              <a:t>        </a:t>
+            </a:r>
+            <a:r>
+              <a:rPr lang="en-US" altLang="ko-KR" sz="1400" b="0" dirty="0" err="1">
                 <a:effectLst/>
                 <a:latin typeface="Consolas" panose="020B0609020204030204" pitchFamily="49" charset="0"/>
               </a:rPr>
-              <a:t> LED_GPIO </a:t>
+              <a:t>vTaskDelay</a:t>
             </a:r>
             <a:r>
               <a:rPr lang="en-US" altLang="ko-KR" sz="1400" b="0" dirty="0">
-                <a:solidFill>
-                  <a:srgbClr val="B5CEA8"/>
-                </a:solidFill>
                 <a:effectLst/>
                 <a:latin typeface="Consolas" panose="020B0609020204030204" pitchFamily="49" charset="0"/>
               </a:rPr>
-              <a:t>2</a:t>
-            </a:r>
-            <a:endParaRPr lang="en-US" altLang="ko-KR" sz="1400" b="0" dirty="0">
-              <a:solidFill>
-                <a:srgbClr val="D4D4D4"/>
-              </a:solidFill>
-              <a:effectLst/>
-              <a:latin typeface="Consolas" panose="020B0609020204030204" pitchFamily="49" charset="0"/>
-            </a:endParaRPr>
-          </a:p>
-          <a:p>
-            <a:r>
-              <a:rPr lang="en-US" altLang="ko-KR" sz="1400" b="0" dirty="0">
-                <a:solidFill>
-                  <a:srgbClr val="C586C0"/>
-                </a:solidFill>
+              <a:t>(500/</a:t>
+            </a:r>
+            <a:r>
+              <a:rPr lang="en-US" altLang="ko-KR" sz="1400" b="0" dirty="0" err="1">
                 <a:effectLst/>
                 <a:latin typeface="Consolas" panose="020B0609020204030204" pitchFamily="49" charset="0"/>
               </a:rPr>
-              <a:t>#define</a:t>
+              <a:t>portTICK_PERIOD_MS</a:t>
             </a:r>
             <a:r>
               <a:rPr lang="en-US" altLang="ko-KR" sz="1400" b="0" dirty="0">
-                <a:solidFill>
-                  <a:srgbClr val="569CD6"/>
-                </a:solidFill>
                 <a:effectLst/>
                 <a:latin typeface="Consolas" panose="020B0609020204030204" pitchFamily="49" charset="0"/>
               </a:rPr>
-              <a:t> LED_ON      </a:t>
-            </a:r>
-            <a:r>
-              <a:rPr lang="en-US" altLang="ko-KR" sz="1400" b="0" dirty="0" err="1">
-                <a:solidFill>
-                  <a:srgbClr val="DCDCAA"/>
-                </a:solidFill>
+              <a:t>);</a:t>
+            </a:r>
+          </a:p>
+          <a:p>
+            <a:r>
+              <a:rPr lang="en-US" altLang="ko-KR" sz="1400" b="0" dirty="0">
                 <a:effectLst/>
                 <a:latin typeface="Consolas" panose="020B0609020204030204" pitchFamily="49" charset="0"/>
               </a:rPr>
-              <a:t>gpio_set_level</a:t>
-            </a:r>
+              <a:t>    }</a:t>
+            </a:r>
+          </a:p>
+          <a:p>
             <a:r>
               <a:rPr lang="en-US" altLang="ko-KR" sz="1400" b="0" dirty="0">
-                <a:solidFill>
-                  <a:srgbClr val="569CD6"/>
-                </a:solidFill>
                 <a:effectLst/>
                 <a:latin typeface="Consolas" panose="020B0609020204030204" pitchFamily="49" charset="0"/>
               </a:rPr>
-              <a:t>(LED_GPIO,</a:t>
-            </a:r>
-            <a:r>
-              <a:rPr lang="en-US" altLang="ko-KR" sz="1400" b="0" dirty="0">
-                <a:solidFill>
-                  <a:srgbClr val="B5CEA8"/>
-                </a:solidFill>
-                <a:effectLst/>
-                <a:latin typeface="Consolas" panose="020B0609020204030204" pitchFamily="49" charset="0"/>
-              </a:rPr>
-              <a:t>0</a:t>
-            </a:r>
-            <a:r>
-              <a:rPr lang="en-US" altLang="ko-KR" sz="1400" b="0" dirty="0">
-                <a:solidFill>
-                  <a:srgbClr val="569CD6"/>
-                </a:solidFill>
-                <a:effectLst/>
-                <a:latin typeface="Consolas" panose="020B0609020204030204" pitchFamily="49" charset="0"/>
-              </a:rPr>
-              <a:t>)</a:t>
-            </a:r>
-            <a:endParaRPr lang="en-US" altLang="ko-KR" sz="1400" b="0" dirty="0">
-              <a:solidFill>
-                <a:srgbClr val="D4D4D4"/>
-              </a:solidFill>
-              <a:effectLst/>
-              <a:latin typeface="Consolas" panose="020B0609020204030204" pitchFamily="49" charset="0"/>
-            </a:endParaRPr>
-          </a:p>
-          <a:p>
-            <a:r>
-              <a:rPr lang="en-US" altLang="ko-KR" sz="1400" b="0" dirty="0">
-                <a:solidFill>
-                  <a:srgbClr val="C586C0"/>
-                </a:solidFill>
-                <a:effectLst/>
-                <a:latin typeface="Consolas" panose="020B0609020204030204" pitchFamily="49" charset="0"/>
-              </a:rPr>
-              <a:t>#define</a:t>
-            </a:r>
-            <a:r>
-              <a:rPr lang="en-US" altLang="ko-KR" sz="1400" b="0" dirty="0">
-                <a:solidFill>
-                  <a:srgbClr val="569CD6"/>
-                </a:solidFill>
-                <a:effectLst/>
-                <a:latin typeface="Consolas" panose="020B0609020204030204" pitchFamily="49" charset="0"/>
-              </a:rPr>
-              <a:t> LED_OFF      </a:t>
-            </a:r>
-            <a:r>
-              <a:rPr lang="en-US" altLang="ko-KR" sz="1400" b="0" dirty="0" err="1">
-                <a:solidFill>
-                  <a:srgbClr val="DCDCAA"/>
-                </a:solidFill>
-                <a:effectLst/>
-                <a:latin typeface="Consolas" panose="020B0609020204030204" pitchFamily="49" charset="0"/>
-              </a:rPr>
-              <a:t>gpio_set_level</a:t>
-            </a:r>
-            <a:r>
-              <a:rPr lang="en-US" altLang="ko-KR" sz="1400" b="0" dirty="0">
-                <a:solidFill>
-                  <a:srgbClr val="569CD6"/>
-                </a:solidFill>
-                <a:effectLst/>
-                <a:latin typeface="Consolas" panose="020B0609020204030204" pitchFamily="49" charset="0"/>
-              </a:rPr>
-              <a:t>(LED_GPIO,</a:t>
-            </a:r>
-            <a:r>
-              <a:rPr lang="en-US" altLang="ko-KR" sz="1400" b="0" dirty="0">
-                <a:solidFill>
-                  <a:srgbClr val="B5CEA8"/>
-                </a:solidFill>
-                <a:effectLst/>
-                <a:latin typeface="Consolas" panose="020B0609020204030204" pitchFamily="49" charset="0"/>
-              </a:rPr>
-              <a:t>1</a:t>
-            </a:r>
-            <a:r>
-              <a:rPr lang="en-US" altLang="ko-KR" sz="1400" b="0" dirty="0">
-                <a:solidFill>
-                  <a:srgbClr val="569CD6"/>
-                </a:solidFill>
-                <a:effectLst/>
-                <a:latin typeface="Consolas" panose="020B0609020204030204" pitchFamily="49" charset="0"/>
-              </a:rPr>
-              <a:t>)</a:t>
-            </a:r>
-            <a:endParaRPr lang="en-US" altLang="ko-KR" sz="1400" b="0" dirty="0">
-              <a:solidFill>
-                <a:srgbClr val="D4D4D4"/>
-              </a:solidFill>
-              <a:effectLst/>
-              <a:latin typeface="Consolas" panose="020B0609020204030204" pitchFamily="49" charset="0"/>
-            </a:endParaRPr>
-          </a:p>
-          <a:p>
-            <a:br>
-              <a:rPr lang="en-US" altLang="ko-KR" sz="1400" b="0" dirty="0">
-                <a:solidFill>
-                  <a:srgbClr val="D4D4D4"/>
-                </a:solidFill>
-                <a:effectLst/>
-                <a:latin typeface="Consolas" panose="020B0609020204030204" pitchFamily="49" charset="0"/>
-              </a:rPr>
-            </a:br>
-            <a:r>
-              <a:rPr lang="en-US" altLang="ko-KR" sz="1400" b="0" dirty="0">
-                <a:solidFill>
-                  <a:srgbClr val="569CD6"/>
-                </a:solidFill>
-                <a:effectLst/>
-                <a:latin typeface="Consolas" panose="020B0609020204030204" pitchFamily="49" charset="0"/>
-              </a:rPr>
-              <a:t>void</a:t>
-            </a:r>
-            <a:r>
-              <a:rPr lang="en-US" altLang="ko-KR" sz="1400" b="0" dirty="0">
-                <a:solidFill>
-                  <a:srgbClr val="D4D4D4"/>
-                </a:solidFill>
-                <a:effectLst/>
-                <a:latin typeface="Consolas" panose="020B0609020204030204" pitchFamily="49" charset="0"/>
-              </a:rPr>
-              <a:t> </a:t>
-            </a:r>
-            <a:r>
-              <a:rPr lang="en-US" altLang="ko-KR" sz="1400" b="0" dirty="0" err="1">
-                <a:solidFill>
-                  <a:srgbClr val="DCDCAA"/>
-                </a:solidFill>
-                <a:effectLst/>
-                <a:latin typeface="Consolas" panose="020B0609020204030204" pitchFamily="49" charset="0"/>
-              </a:rPr>
-              <a:t>app_main</a:t>
-            </a:r>
-            <a:r>
-              <a:rPr lang="en-US" altLang="ko-KR" sz="1400" b="0" dirty="0">
-                <a:solidFill>
-                  <a:srgbClr val="D4D4D4"/>
-                </a:solidFill>
-                <a:effectLst/>
-                <a:latin typeface="Consolas" panose="020B0609020204030204" pitchFamily="49" charset="0"/>
-              </a:rPr>
-              <a:t>() {</a:t>
-            </a:r>
-          </a:p>
-          <a:p>
-            <a:r>
-              <a:rPr lang="en-US" altLang="ko-KR" sz="1400" b="0" dirty="0">
-                <a:solidFill>
-                  <a:srgbClr val="D4D4D4"/>
-                </a:solidFill>
-                <a:effectLst/>
-                <a:latin typeface="Consolas" panose="020B0609020204030204" pitchFamily="49" charset="0"/>
-              </a:rPr>
-              <a:t>    </a:t>
-            </a:r>
-            <a:r>
-              <a:rPr lang="en-US" altLang="ko-KR" sz="1400" b="0" dirty="0" err="1">
-                <a:solidFill>
-                  <a:srgbClr val="DCDCAA"/>
-                </a:solidFill>
-                <a:effectLst/>
-                <a:latin typeface="Consolas" panose="020B0609020204030204" pitchFamily="49" charset="0"/>
-              </a:rPr>
-              <a:t>gpio_pad_select_gpio</a:t>
-            </a:r>
-            <a:r>
-              <a:rPr lang="en-US" altLang="ko-KR" sz="1400" b="0" dirty="0">
-                <a:solidFill>
-                  <a:srgbClr val="D4D4D4"/>
-                </a:solidFill>
-                <a:effectLst/>
-                <a:latin typeface="Consolas" panose="020B0609020204030204" pitchFamily="49" charset="0"/>
-              </a:rPr>
-              <a:t>(</a:t>
-            </a:r>
-            <a:r>
-              <a:rPr lang="en-US" altLang="ko-KR" sz="1400" b="0" dirty="0">
-                <a:solidFill>
-                  <a:srgbClr val="569CD6"/>
-                </a:solidFill>
-                <a:effectLst/>
-                <a:latin typeface="Consolas" panose="020B0609020204030204" pitchFamily="49" charset="0"/>
-              </a:rPr>
-              <a:t>LED_GPIO</a:t>
-            </a:r>
-            <a:r>
-              <a:rPr lang="en-US" altLang="ko-KR" sz="1400" b="0" dirty="0">
-                <a:solidFill>
-                  <a:srgbClr val="D4D4D4"/>
-                </a:solidFill>
-                <a:effectLst/>
-                <a:latin typeface="Consolas" panose="020B0609020204030204" pitchFamily="49" charset="0"/>
-              </a:rPr>
-              <a:t>);</a:t>
-            </a:r>
-          </a:p>
-          <a:p>
-            <a:r>
-              <a:rPr lang="en-US" altLang="ko-KR" sz="1400" b="0" dirty="0">
-                <a:solidFill>
-                  <a:srgbClr val="D4D4D4"/>
-                </a:solidFill>
-                <a:effectLst/>
-                <a:latin typeface="Consolas" panose="020B0609020204030204" pitchFamily="49" charset="0"/>
-              </a:rPr>
-              <a:t>    </a:t>
-            </a:r>
-            <a:r>
-              <a:rPr lang="en-US" altLang="ko-KR" sz="1400" b="0" dirty="0" err="1">
-                <a:solidFill>
-                  <a:srgbClr val="DCDCAA"/>
-                </a:solidFill>
-                <a:effectLst/>
-                <a:latin typeface="Consolas" panose="020B0609020204030204" pitchFamily="49" charset="0"/>
-              </a:rPr>
-              <a:t>gpio_set_direction</a:t>
-            </a:r>
-            <a:r>
-              <a:rPr lang="en-US" altLang="ko-KR" sz="1400" b="0" dirty="0">
-                <a:solidFill>
-                  <a:srgbClr val="D4D4D4"/>
-                </a:solidFill>
-                <a:effectLst/>
-                <a:latin typeface="Consolas" panose="020B0609020204030204" pitchFamily="49" charset="0"/>
-              </a:rPr>
-              <a:t>(</a:t>
-            </a:r>
-            <a:r>
-              <a:rPr lang="en-US" altLang="ko-KR" sz="1400" b="0" dirty="0">
-                <a:solidFill>
-                  <a:srgbClr val="569CD6"/>
-                </a:solidFill>
-                <a:effectLst/>
-                <a:latin typeface="Consolas" panose="020B0609020204030204" pitchFamily="49" charset="0"/>
-              </a:rPr>
-              <a:t>LED_GPIO</a:t>
-            </a:r>
-            <a:r>
-              <a:rPr lang="en-US" altLang="ko-KR" sz="1400" b="0" dirty="0">
-                <a:solidFill>
-                  <a:srgbClr val="D4D4D4"/>
-                </a:solidFill>
-                <a:effectLst/>
-                <a:latin typeface="Consolas" panose="020B0609020204030204" pitchFamily="49" charset="0"/>
-              </a:rPr>
-              <a:t>, </a:t>
-            </a:r>
-            <a:r>
-              <a:rPr lang="en-US" altLang="ko-KR" sz="1400" b="0" dirty="0">
-                <a:solidFill>
-                  <a:srgbClr val="4FC1FF"/>
-                </a:solidFill>
-                <a:effectLst/>
-                <a:latin typeface="Consolas" panose="020B0609020204030204" pitchFamily="49" charset="0"/>
-              </a:rPr>
-              <a:t>GPIO_MODE_OUTPUT</a:t>
-            </a:r>
-            <a:r>
-              <a:rPr lang="en-US" altLang="ko-KR" sz="1400" b="0" dirty="0">
-                <a:solidFill>
-                  <a:srgbClr val="D4D4D4"/>
-                </a:solidFill>
-                <a:effectLst/>
-                <a:latin typeface="Consolas" panose="020B0609020204030204" pitchFamily="49" charset="0"/>
-              </a:rPr>
-              <a:t>);</a:t>
-            </a:r>
-          </a:p>
-          <a:p>
-            <a:r>
-              <a:rPr lang="en-US" altLang="ko-KR" sz="1400" b="0" dirty="0">
-                <a:solidFill>
-                  <a:srgbClr val="D4D4D4"/>
-                </a:solidFill>
-                <a:effectLst/>
-                <a:latin typeface="Consolas" panose="020B0609020204030204" pitchFamily="49" charset="0"/>
-              </a:rPr>
-              <a:t>    </a:t>
-            </a:r>
-            <a:r>
-              <a:rPr lang="en-US" altLang="ko-KR" sz="1400" b="0" dirty="0" err="1">
-                <a:solidFill>
-                  <a:srgbClr val="DCDCAA"/>
-                </a:solidFill>
-                <a:effectLst/>
-                <a:latin typeface="Consolas" panose="020B0609020204030204" pitchFamily="49" charset="0"/>
-              </a:rPr>
-              <a:t>printf</a:t>
-            </a:r>
-            <a:r>
-              <a:rPr lang="en-US" altLang="ko-KR" sz="1400" b="0" dirty="0">
-                <a:solidFill>
-                  <a:srgbClr val="D4D4D4"/>
-                </a:solidFill>
-                <a:effectLst/>
-                <a:latin typeface="Consolas" panose="020B0609020204030204" pitchFamily="49" charset="0"/>
-              </a:rPr>
-              <a:t>(</a:t>
-            </a:r>
-            <a:r>
-              <a:rPr lang="en-US" altLang="ko-KR" sz="1400" b="0" dirty="0">
-                <a:solidFill>
-                  <a:srgbClr val="CE9178"/>
-                </a:solidFill>
-                <a:effectLst/>
-                <a:latin typeface="Consolas" panose="020B0609020204030204" pitchFamily="49" charset="0"/>
-              </a:rPr>
-              <a:t>"system start!</a:t>
-            </a:r>
-            <a:r>
-              <a:rPr lang="en-US" altLang="ko-KR" sz="1400" b="0" dirty="0">
-                <a:solidFill>
-                  <a:srgbClr val="D7BA7D"/>
-                </a:solidFill>
-                <a:effectLst/>
-                <a:latin typeface="Consolas" panose="020B0609020204030204" pitchFamily="49" charset="0"/>
-              </a:rPr>
-              <a:t>\r\n</a:t>
-            </a:r>
-            <a:r>
-              <a:rPr lang="en-US" altLang="ko-KR" sz="1400" b="0" dirty="0">
-                <a:solidFill>
-                  <a:srgbClr val="CE9178"/>
-                </a:solidFill>
-                <a:effectLst/>
-                <a:latin typeface="Consolas" panose="020B0609020204030204" pitchFamily="49" charset="0"/>
-              </a:rPr>
-              <a:t>"</a:t>
-            </a:r>
-            <a:r>
-              <a:rPr lang="en-US" altLang="ko-KR" sz="1400" b="0" dirty="0">
-                <a:solidFill>
-                  <a:srgbClr val="D4D4D4"/>
-                </a:solidFill>
-                <a:effectLst/>
-                <a:latin typeface="Consolas" panose="020B0609020204030204" pitchFamily="49" charset="0"/>
-              </a:rPr>
-              <a:t>);</a:t>
-            </a:r>
-          </a:p>
-          <a:p>
-            <a:r>
-              <a:rPr lang="en-US" altLang="ko-KR" sz="1400" b="0" dirty="0">
-                <a:solidFill>
-                  <a:srgbClr val="D4D4D4"/>
-                </a:solidFill>
-                <a:effectLst/>
-                <a:latin typeface="Consolas" panose="020B0609020204030204" pitchFamily="49" charset="0"/>
-              </a:rPr>
-              <a:t>    </a:t>
-            </a:r>
-            <a:r>
-              <a:rPr lang="en-US" altLang="ko-KR" sz="1400" b="0" dirty="0">
-                <a:solidFill>
-                  <a:srgbClr val="C586C0"/>
-                </a:solidFill>
-                <a:effectLst/>
-                <a:latin typeface="Consolas" panose="020B0609020204030204" pitchFamily="49" charset="0"/>
-              </a:rPr>
-              <a:t>while</a:t>
-            </a:r>
-            <a:r>
-              <a:rPr lang="en-US" altLang="ko-KR" sz="1400" b="0" dirty="0">
-                <a:solidFill>
-                  <a:srgbClr val="D4D4D4"/>
-                </a:solidFill>
-                <a:effectLst/>
-                <a:latin typeface="Consolas" panose="020B0609020204030204" pitchFamily="49" charset="0"/>
-              </a:rPr>
-              <a:t>(</a:t>
-            </a:r>
-            <a:r>
-              <a:rPr lang="en-US" altLang="ko-KR" sz="1400" b="0" dirty="0">
-                <a:solidFill>
-                  <a:srgbClr val="B5CEA8"/>
-                </a:solidFill>
-                <a:effectLst/>
-                <a:latin typeface="Consolas" panose="020B0609020204030204" pitchFamily="49" charset="0"/>
-              </a:rPr>
-              <a:t>1</a:t>
-            </a:r>
-            <a:r>
-              <a:rPr lang="en-US" altLang="ko-KR" sz="1400" b="0" dirty="0">
-                <a:solidFill>
-                  <a:srgbClr val="D4D4D4"/>
-                </a:solidFill>
-                <a:effectLst/>
-                <a:latin typeface="Consolas" panose="020B0609020204030204" pitchFamily="49" charset="0"/>
-              </a:rPr>
-              <a:t>){</a:t>
-            </a:r>
-          </a:p>
-          <a:p>
-            <a:br>
-              <a:rPr lang="en-US" altLang="ko-KR" sz="1400" b="0" dirty="0">
-                <a:solidFill>
-                  <a:srgbClr val="D4D4D4"/>
-                </a:solidFill>
-                <a:effectLst/>
-                <a:latin typeface="Consolas" panose="020B0609020204030204" pitchFamily="49" charset="0"/>
-              </a:rPr>
-            </a:br>
-            <a:r>
-              <a:rPr lang="en-US" altLang="ko-KR" sz="1400" b="0" dirty="0">
-                <a:solidFill>
-                  <a:srgbClr val="D4D4D4"/>
-                </a:solidFill>
-                <a:effectLst/>
-                <a:latin typeface="Consolas" panose="020B0609020204030204" pitchFamily="49" charset="0"/>
-              </a:rPr>
-              <a:t>        </a:t>
-            </a:r>
-            <a:r>
-              <a:rPr lang="en-US" altLang="ko-KR" sz="1400" b="0" dirty="0">
-                <a:solidFill>
-                  <a:srgbClr val="569CD6"/>
-                </a:solidFill>
-                <a:effectLst/>
-                <a:latin typeface="Consolas" panose="020B0609020204030204" pitchFamily="49" charset="0"/>
-              </a:rPr>
-              <a:t>LED_ON</a:t>
-            </a:r>
-            <a:r>
-              <a:rPr lang="en-US" altLang="ko-KR" sz="1400" b="0" dirty="0">
-                <a:solidFill>
-                  <a:srgbClr val="D4D4D4"/>
-                </a:solidFill>
-                <a:effectLst/>
-                <a:latin typeface="Consolas" panose="020B0609020204030204" pitchFamily="49" charset="0"/>
-              </a:rPr>
-              <a:t>;</a:t>
-            </a:r>
-          </a:p>
-          <a:p>
-            <a:r>
-              <a:rPr lang="en-US" altLang="ko-KR" sz="1400" b="0" dirty="0">
-                <a:solidFill>
-                  <a:srgbClr val="D4D4D4"/>
-                </a:solidFill>
-                <a:effectLst/>
-                <a:latin typeface="Consolas" panose="020B0609020204030204" pitchFamily="49" charset="0"/>
-              </a:rPr>
-              <a:t>        </a:t>
-            </a:r>
-            <a:r>
-              <a:rPr lang="en-US" altLang="ko-KR" sz="1400" b="0" dirty="0" err="1">
-                <a:solidFill>
-                  <a:srgbClr val="DCDCAA"/>
-                </a:solidFill>
-                <a:effectLst/>
-                <a:latin typeface="Consolas" panose="020B0609020204030204" pitchFamily="49" charset="0"/>
-              </a:rPr>
-              <a:t>vTaskDelay</a:t>
-            </a:r>
-            <a:r>
-              <a:rPr lang="en-US" altLang="ko-KR" sz="1400" b="0" dirty="0">
-                <a:solidFill>
-                  <a:srgbClr val="D4D4D4"/>
-                </a:solidFill>
-                <a:effectLst/>
-                <a:latin typeface="Consolas" panose="020B0609020204030204" pitchFamily="49" charset="0"/>
-              </a:rPr>
-              <a:t>(</a:t>
-            </a:r>
-            <a:r>
-              <a:rPr lang="en-US" altLang="ko-KR" sz="1400" b="0" dirty="0">
-                <a:solidFill>
-                  <a:srgbClr val="B5CEA8"/>
-                </a:solidFill>
-                <a:effectLst/>
-                <a:latin typeface="Consolas" panose="020B0609020204030204" pitchFamily="49" charset="0"/>
-              </a:rPr>
-              <a:t>500</a:t>
-            </a:r>
-            <a:r>
-              <a:rPr lang="en-US" altLang="ko-KR" sz="1400" b="0" dirty="0">
-                <a:solidFill>
-                  <a:srgbClr val="D4D4D4"/>
-                </a:solidFill>
-                <a:effectLst/>
-                <a:latin typeface="Consolas" panose="020B0609020204030204" pitchFamily="49" charset="0"/>
-              </a:rPr>
-              <a:t> / </a:t>
-            </a:r>
-            <a:r>
-              <a:rPr lang="en-US" altLang="ko-KR" sz="1400" b="0" dirty="0" err="1">
-                <a:solidFill>
-                  <a:srgbClr val="569CD6"/>
-                </a:solidFill>
-                <a:effectLst/>
-                <a:latin typeface="Consolas" panose="020B0609020204030204" pitchFamily="49" charset="0"/>
-              </a:rPr>
-              <a:t>portTICK_PERIOD_MS</a:t>
-            </a:r>
-            <a:r>
-              <a:rPr lang="en-US" altLang="ko-KR" sz="1400" b="0" dirty="0">
-                <a:solidFill>
-                  <a:srgbClr val="D4D4D4"/>
-                </a:solidFill>
-                <a:effectLst/>
-                <a:latin typeface="Consolas" panose="020B0609020204030204" pitchFamily="49" charset="0"/>
-              </a:rPr>
-              <a:t>);</a:t>
-            </a:r>
-          </a:p>
-          <a:p>
-            <a:r>
-              <a:rPr lang="en-US" altLang="ko-KR" sz="1400" b="0" dirty="0">
-                <a:solidFill>
-                  <a:srgbClr val="D4D4D4"/>
-                </a:solidFill>
-                <a:effectLst/>
-                <a:latin typeface="Consolas" panose="020B0609020204030204" pitchFamily="49" charset="0"/>
-              </a:rPr>
-              <a:t>        </a:t>
-            </a:r>
-            <a:r>
-              <a:rPr lang="en-US" altLang="ko-KR" sz="1400" b="0" dirty="0">
-                <a:solidFill>
-                  <a:srgbClr val="569CD6"/>
-                </a:solidFill>
-                <a:effectLst/>
-                <a:latin typeface="Consolas" panose="020B0609020204030204" pitchFamily="49" charset="0"/>
-              </a:rPr>
-              <a:t>LED_OFF</a:t>
-            </a:r>
-            <a:r>
-              <a:rPr lang="en-US" altLang="ko-KR" sz="1400" b="0" dirty="0">
-                <a:solidFill>
-                  <a:srgbClr val="D4D4D4"/>
-                </a:solidFill>
-                <a:effectLst/>
-                <a:latin typeface="Consolas" panose="020B0609020204030204" pitchFamily="49" charset="0"/>
-              </a:rPr>
-              <a:t>;</a:t>
-            </a:r>
-          </a:p>
-          <a:p>
-            <a:r>
-              <a:rPr lang="en-US" altLang="ko-KR" sz="1400" b="0" dirty="0">
-                <a:solidFill>
-                  <a:srgbClr val="D4D4D4"/>
-                </a:solidFill>
-                <a:effectLst/>
-                <a:latin typeface="Consolas" panose="020B0609020204030204" pitchFamily="49" charset="0"/>
-              </a:rPr>
-              <a:t>        </a:t>
-            </a:r>
-            <a:r>
-              <a:rPr lang="en-US" altLang="ko-KR" sz="1400" b="0" dirty="0" err="1">
-                <a:solidFill>
-                  <a:srgbClr val="DCDCAA"/>
-                </a:solidFill>
-                <a:effectLst/>
-                <a:latin typeface="Consolas" panose="020B0609020204030204" pitchFamily="49" charset="0"/>
-              </a:rPr>
-              <a:t>vTaskDelay</a:t>
-            </a:r>
-            <a:r>
-              <a:rPr lang="en-US" altLang="ko-KR" sz="1400" b="0" dirty="0">
-                <a:solidFill>
-                  <a:srgbClr val="D4D4D4"/>
-                </a:solidFill>
-                <a:effectLst/>
-                <a:latin typeface="Consolas" panose="020B0609020204030204" pitchFamily="49" charset="0"/>
-              </a:rPr>
-              <a:t>(</a:t>
-            </a:r>
-            <a:r>
-              <a:rPr lang="en-US" altLang="ko-KR" sz="1400" b="0" dirty="0">
-                <a:solidFill>
-                  <a:srgbClr val="B5CEA8"/>
-                </a:solidFill>
-                <a:effectLst/>
-                <a:latin typeface="Consolas" panose="020B0609020204030204" pitchFamily="49" charset="0"/>
-              </a:rPr>
-              <a:t>500</a:t>
-            </a:r>
-            <a:r>
-              <a:rPr lang="en-US" altLang="ko-KR" sz="1400" b="0" dirty="0">
-                <a:solidFill>
-                  <a:srgbClr val="D4D4D4"/>
-                </a:solidFill>
-                <a:effectLst/>
-                <a:latin typeface="Consolas" panose="020B0609020204030204" pitchFamily="49" charset="0"/>
-              </a:rPr>
-              <a:t> / </a:t>
-            </a:r>
-            <a:r>
-              <a:rPr lang="en-US" altLang="ko-KR" sz="1400" b="0" dirty="0" err="1">
-                <a:solidFill>
-                  <a:srgbClr val="569CD6"/>
-                </a:solidFill>
-                <a:effectLst/>
-                <a:latin typeface="Consolas" panose="020B0609020204030204" pitchFamily="49" charset="0"/>
-              </a:rPr>
-              <a:t>portTICK_PERIOD_MS</a:t>
-            </a:r>
-            <a:r>
-              <a:rPr lang="en-US" altLang="ko-KR" sz="1400" b="0" dirty="0">
-                <a:solidFill>
-                  <a:srgbClr val="D4D4D4"/>
-                </a:solidFill>
-                <a:effectLst/>
-                <a:latin typeface="Consolas" panose="020B0609020204030204" pitchFamily="49" charset="0"/>
-              </a:rPr>
-              <a:t>);</a:t>
-            </a:r>
-          </a:p>
-          <a:p>
-            <a:br>
-              <a:rPr lang="en-US" altLang="ko-KR" sz="1400" b="0" dirty="0">
-                <a:solidFill>
-                  <a:srgbClr val="D4D4D4"/>
-                </a:solidFill>
-                <a:effectLst/>
-                <a:latin typeface="Consolas" panose="020B0609020204030204" pitchFamily="49" charset="0"/>
-              </a:rPr>
-            </a:br>
-            <a:r>
-              <a:rPr lang="en-US" altLang="ko-KR" sz="1400" b="0" dirty="0">
-                <a:solidFill>
-                  <a:srgbClr val="D4D4D4"/>
-                </a:solidFill>
-                <a:effectLst/>
-                <a:latin typeface="Consolas" panose="020B0609020204030204" pitchFamily="49" charset="0"/>
-              </a:rPr>
-              <a:t>    }</a:t>
-            </a:r>
-          </a:p>
-          <a:p>
-            <a:r>
-              <a:rPr lang="en-US" altLang="ko-KR" sz="1400" b="0" dirty="0">
-                <a:solidFill>
-                  <a:srgbClr val="D4D4D4"/>
-                </a:solidFill>
-                <a:effectLst/>
-                <a:latin typeface="Consolas" panose="020B0609020204030204" pitchFamily="49" charset="0"/>
-              </a:rPr>
               <a:t>}</a:t>
             </a:r>
-          </a:p>
-          <a:p>
             <a:endParaRPr lang="ko-KR" altLang="en-US" sz="1000" dirty="0"/>
           </a:p>
         </p:txBody>
@@ -7015,7 +6368,7 @@
         </p:nvSpPr>
         <p:spPr>
           <a:xfrm>
-            <a:off x="6361723" y="1329026"/>
+            <a:off x="7112000" y="1360288"/>
             <a:ext cx="4186501" cy="2308324"/>
           </a:xfrm>
           <a:prstGeom prst="rect">
@@ -7234,6 +6587,53 @@
                 <a:srgbClr val="0070C0"/>
               </a:solidFill>
             </a:endParaRPr>
+          </a:p>
+        </p:txBody>
+      </p:sp>
+      <p:sp>
+        <p:nvSpPr>
+          <p:cNvPr id="6" name="TextBox 5">
+            <a:extLst>
+              <a:ext uri="{FF2B5EF4-FFF2-40B4-BE49-F238E27FC236}">
+                <a16:creationId xmlns:a16="http://schemas.microsoft.com/office/drawing/2014/main" id="{826D4EF0-3EB1-45B2-A914-5F9284DFB38B}"/>
+              </a:ext>
+            </a:extLst>
+          </p:cNvPr>
+          <p:cNvSpPr txBox="1"/>
+          <p:nvPr/>
+        </p:nvSpPr>
+        <p:spPr>
+          <a:xfrm>
+            <a:off x="758092" y="5710393"/>
+            <a:ext cx="7705969" cy="369332"/>
+          </a:xfrm>
+          <a:prstGeom prst="rect">
+            <a:avLst/>
+          </a:prstGeom>
+          <a:noFill/>
+        </p:spPr>
+        <p:txBody>
+          <a:bodyPr wrap="square">
+            <a:spAutoFit/>
+          </a:bodyPr>
+          <a:lstStyle/>
+          <a:p>
+            <a:r>
+              <a:rPr lang="en-US" altLang="ko-KR" dirty="0">
+                <a:solidFill>
+                  <a:srgbClr val="0070C0"/>
+                </a:solidFill>
+              </a:rPr>
+              <a:t>..</a:t>
+            </a:r>
+            <a:r>
+              <a:rPr lang="ko-KR" altLang="en-US" dirty="0">
+                <a:solidFill>
+                  <a:srgbClr val="0070C0"/>
+                </a:solidFill>
+              </a:rPr>
+              <a:t>\seoil_uni_project\ESP32\SW\Espressif\LED_BLINK  예제 참조</a:t>
+            </a:r>
           </a:p>
         </p:txBody>
       </p:sp>
@@ -7527,12 +6927,12 @@
             <a:r>
               <a:rPr lang="en-US" altLang="ko-KR" b="0" dirty="0">
                 <a:solidFill>
-                  <a:srgbClr val="D4D4D4"/>
+                  <a:srgbClr val="569CD6"/>
                 </a:solidFill>
                 <a:effectLst/>
                 <a:latin typeface="Consolas" panose="020B0609020204030204" pitchFamily="49" charset="0"/>
               </a:rPr>
-              <a:t> = 115200</a:t>
+              <a:t> = 115200</a:t>
             </a:r>
           </a:p>
           <a:p>
@@ -7549,13 +6949,20 @@
             <a:r>
               <a:rPr lang="en-US" altLang="ko-KR" b="0" dirty="0">
                 <a:solidFill>
-                  <a:srgbClr val="D4D4D4"/>
+                  <a:srgbClr val="569CD6"/>
                 </a:solidFill>
                 <a:effectLst/>
                 <a:latin typeface="Consolas" panose="020B0609020204030204" pitchFamily="49" charset="0"/>
               </a:rPr>
-              <a:t> = 921600</a:t>
-            </a:r>
+              <a:t> = 921600</a:t>
+            </a:r>
+            <a:endParaRPr lang="en-US" altLang="ko-KR" b="0" dirty="0">
+              <a:solidFill>
+                <a:srgbClr val="D4D4D4"/>
+              </a:solidFill>
+              <a:effectLst/>
+              <a:latin typeface="Consolas" panose="020B0609020204030204" pitchFamily="49" charset="0"/>
+            </a:endParaRPr>
           </a:p>
         </p:txBody>
       </p:sp>
